--- a/ppt/11-svm-sgd.pptx
+++ b/ppt/11-svm-sgd.pptx
@@ -5,7 +5,7 @@
     <p:sldMasterId id="2147483660" r:id="rId1"/>
   </p:sldMasterIdLst>
   <p:notesMasterIdLst>
-    <p:notesMasterId r:id="rId21"/>
+    <p:notesMasterId r:id="rId22"/>
   </p:notesMasterIdLst>
   <p:sldIdLst>
     <p:sldId id="257" r:id="rId2"/>
@@ -26,7 +26,8 @@
     <p:sldId id="309" r:id="rId17"/>
     <p:sldId id="310" r:id="rId18"/>
     <p:sldId id="313" r:id="rId19"/>
-    <p:sldId id="442" r:id="rId20"/>
+    <p:sldId id="443" r:id="rId20"/>
+    <p:sldId id="442" r:id="rId21"/>
   </p:sldIdLst>
   <p:sldSz cx="9144000" cy="6858000" type="screen4x3"/>
   <p:notesSz cx="6858000" cy="9144000"/>
@@ -226,7 +227,7 @@
           <a:p>
             <a:fld id="{C532CDA2-750D-FD45-A882-179FF79AAE4D}" type="datetimeFigureOut">
               <a:rPr kumimoji="1" lang="zh-CN" altLang="en-US" smtClean="0"/>
-              <a:t>2020/12/7</a:t>
+              <a:t>2022/9/5</a:t>
             </a:fld>
             <a:endParaRPr kumimoji="1" lang="zh-CN" altLang="en-US"/>
           </a:p>
@@ -624,7 +625,7 @@
           <a:p>
             <a:fld id="{863083FF-67D0-47DA-8916-8A170DE3AF72}" type="datetimeFigureOut">
               <a:rPr lang="zh-CN" altLang="en-US" smtClean="0"/>
-              <a:t>2020/12/7</a:t>
+              <a:t>2022/9/5</a:t>
             </a:fld>
             <a:endParaRPr lang="zh-CN" altLang="en-US"/>
           </a:p>
@@ -794,7 +795,7 @@
           <a:p>
             <a:fld id="{863083FF-67D0-47DA-8916-8A170DE3AF72}" type="datetimeFigureOut">
               <a:rPr lang="zh-CN" altLang="en-US" smtClean="0"/>
-              <a:t>2020/12/7</a:t>
+              <a:t>2022/9/5</a:t>
             </a:fld>
             <a:endParaRPr lang="zh-CN" altLang="en-US"/>
           </a:p>
@@ -974,7 +975,7 @@
           <a:p>
             <a:fld id="{863083FF-67D0-47DA-8916-8A170DE3AF72}" type="datetimeFigureOut">
               <a:rPr lang="zh-CN" altLang="en-US" smtClean="0"/>
-              <a:t>2020/12/7</a:t>
+              <a:t>2022/9/5</a:t>
             </a:fld>
             <a:endParaRPr lang="zh-CN" altLang="en-US"/>
           </a:p>
@@ -1144,7 +1145,7 @@
           <a:p>
             <a:fld id="{863083FF-67D0-47DA-8916-8A170DE3AF72}" type="datetimeFigureOut">
               <a:rPr lang="zh-CN" altLang="en-US" smtClean="0"/>
-              <a:t>2020/12/7</a:t>
+              <a:t>2022/9/5</a:t>
             </a:fld>
             <a:endParaRPr lang="zh-CN" altLang="en-US"/>
           </a:p>
@@ -1388,7 +1389,7 @@
           <a:p>
             <a:fld id="{863083FF-67D0-47DA-8916-8A170DE3AF72}" type="datetimeFigureOut">
               <a:rPr lang="zh-CN" altLang="en-US" smtClean="0"/>
-              <a:t>2020/12/7</a:t>
+              <a:t>2022/9/5</a:t>
             </a:fld>
             <a:endParaRPr lang="zh-CN" altLang="en-US"/>
           </a:p>
@@ -1620,7 +1621,7 @@
           <a:p>
             <a:fld id="{863083FF-67D0-47DA-8916-8A170DE3AF72}" type="datetimeFigureOut">
               <a:rPr lang="zh-CN" altLang="en-US" smtClean="0"/>
-              <a:t>2020/12/7</a:t>
+              <a:t>2022/9/5</a:t>
             </a:fld>
             <a:endParaRPr lang="zh-CN" altLang="en-US"/>
           </a:p>
@@ -1987,7 +1988,7 @@
           <a:p>
             <a:fld id="{863083FF-67D0-47DA-8916-8A170DE3AF72}" type="datetimeFigureOut">
               <a:rPr lang="zh-CN" altLang="en-US" smtClean="0"/>
-              <a:t>2020/12/7</a:t>
+              <a:t>2022/9/5</a:t>
             </a:fld>
             <a:endParaRPr lang="zh-CN" altLang="en-US"/>
           </a:p>
@@ -2105,7 +2106,7 @@
           <a:p>
             <a:fld id="{863083FF-67D0-47DA-8916-8A170DE3AF72}" type="datetimeFigureOut">
               <a:rPr lang="zh-CN" altLang="en-US" smtClean="0"/>
-              <a:t>2020/12/7</a:t>
+              <a:t>2022/9/5</a:t>
             </a:fld>
             <a:endParaRPr lang="zh-CN" altLang="en-US"/>
           </a:p>
@@ -2200,7 +2201,7 @@
           <a:p>
             <a:fld id="{863083FF-67D0-47DA-8916-8A170DE3AF72}" type="datetimeFigureOut">
               <a:rPr lang="zh-CN" altLang="en-US" smtClean="0"/>
-              <a:t>2020/12/7</a:t>
+              <a:t>2022/9/5</a:t>
             </a:fld>
             <a:endParaRPr lang="zh-CN" altLang="en-US"/>
           </a:p>
@@ -2477,7 +2478,7 @@
           <a:p>
             <a:fld id="{863083FF-67D0-47DA-8916-8A170DE3AF72}" type="datetimeFigureOut">
               <a:rPr lang="zh-CN" altLang="en-US" smtClean="0"/>
-              <a:t>2020/12/7</a:t>
+              <a:t>2022/9/5</a:t>
             </a:fld>
             <a:endParaRPr lang="zh-CN" altLang="en-US"/>
           </a:p>
@@ -2734,7 +2735,7 @@
           <a:p>
             <a:fld id="{863083FF-67D0-47DA-8916-8A170DE3AF72}" type="datetimeFigureOut">
               <a:rPr lang="zh-CN" altLang="en-US" smtClean="0"/>
-              <a:t>2020/12/7</a:t>
+              <a:t>2022/9/5</a:t>
             </a:fld>
             <a:endParaRPr lang="zh-CN" altLang="en-US"/>
           </a:p>
@@ -2947,7 +2948,7 @@
           <a:p>
             <a:fld id="{863083FF-67D0-47DA-8916-8A170DE3AF72}" type="datetimeFigureOut">
               <a:rPr lang="zh-CN" altLang="en-US" smtClean="0"/>
-              <a:t>2020/12/7</a:t>
+              <a:t>2022/9/5</a:t>
             </a:fld>
             <a:endParaRPr lang="zh-CN" altLang="en-US"/>
           </a:p>
@@ -5309,8 +5310,8 @@
           <a:lstStyle/>
           <a:p>
             <a:r>
-              <a:rPr kumimoji="1" lang="zh-CN" altLang="en-US"/>
-              <a:t>作业</a:t>
+              <a:rPr kumimoji="1" lang="en-US" altLang="zh-CN" dirty="0"/>
+              <a:t>Lab</a:t>
             </a:r>
             <a:endParaRPr kumimoji="1" lang="zh-CN" altLang="en-US" dirty="0"/>
           </a:p>
@@ -5334,82 +5335,188 @@
         </p:nvSpPr>
         <p:spPr/>
         <p:txBody>
-          <a:bodyPr/>
-          <a:lstStyle/>
+          <a:bodyPr>
+            <a:normAutofit fontScale="92500" lnSpcReduction="20000"/>
+          </a:bodyPr>
+          <a:lstStyle/>
+          <a:p>
+            <a:r>
+              <a:rPr kumimoji="1" lang="en-US" altLang="zh-CN" dirty="0" err="1"/>
+              <a:t>soln_gd.ipynb</a:t>
+            </a:r>
+            <a:endParaRPr kumimoji="1" lang="en-US" altLang="zh-CN" dirty="0"/>
+          </a:p>
+          <a:p>
+            <a:r>
+              <a:rPr kumimoji="1" lang="zh-CN" altLang="en-US" dirty="0"/>
+              <a:t>线性回归</a:t>
+            </a:r>
+            <a:endParaRPr kumimoji="1" lang="en-US" altLang="zh-CN" dirty="0"/>
+          </a:p>
+          <a:p>
+            <a:pPr lvl="1"/>
+            <a:r>
+              <a:rPr lang="en-US" altLang="zh-CN" dirty="0"/>
+              <a:t>b = </a:t>
+            </a:r>
+            <a:r>
+              <a:rPr lang="en-US" altLang="zh-CN" dirty="0" err="1"/>
+              <a:t>mu_y</a:t>
+            </a:r>
+            <a:r>
+              <a:rPr lang="en-US" altLang="zh-CN" dirty="0"/>
+              <a:t> - m * </a:t>
+            </a:r>
+            <a:r>
+              <a:rPr lang="en-US" altLang="zh-CN" dirty="0" err="1"/>
+              <a:t>mu_x</a:t>
+            </a:r>
+            <a:endParaRPr lang="en-US" altLang="zh-CN" dirty="0"/>
+          </a:p>
+          <a:p>
+            <a:pPr lvl="1"/>
+            <a:endParaRPr kumimoji="1" lang="en-US" altLang="zh-CN" dirty="0"/>
+          </a:p>
           <a:p>
             <a:r>
               <a:rPr kumimoji="1" lang="en-US" altLang="zh-CN" dirty="0"/>
-              <a:t>HW4</a:t>
-            </a:r>
+              <a:t>Loss</a:t>
+            </a:r>
+            <a:r>
+              <a:rPr kumimoji="1" lang="zh-CN" altLang="en-US" dirty="0"/>
+              <a:t>：</a:t>
+            </a:r>
+            <a:endParaRPr kumimoji="1" lang="en-US" altLang="zh-CN" dirty="0"/>
           </a:p>
           <a:p>
             <a:pPr lvl="1"/>
             <a:r>
               <a:rPr lang="en-US" altLang="zh-CN" dirty="0"/>
-              <a:t>Implementation of SVM via Gradient Descent </a:t>
-            </a:r>
+              <a:t>def </a:t>
+            </a:r>
+            <a:r>
+              <a:rPr lang="en-US" altLang="zh-CN" dirty="0" err="1"/>
+              <a:t>sse</a:t>
+            </a:r>
+            <a:r>
+              <a:rPr lang="en-US" altLang="zh-CN" dirty="0"/>
+              <a:t>(</a:t>
+            </a:r>
+            <a:r>
+              <a:rPr lang="en-US" altLang="zh-CN" dirty="0" err="1"/>
+              <a:t>mhat</a:t>
+            </a:r>
+            <a:r>
+              <a:rPr lang="en-US" altLang="zh-CN" dirty="0"/>
+              <a:t>, </a:t>
+            </a:r>
+            <a:r>
+              <a:rPr lang="en-US" altLang="zh-CN" dirty="0" err="1"/>
+              <a:t>bhat</a:t>
+            </a:r>
+            <a:r>
+              <a:rPr lang="en-US" altLang="zh-CN" dirty="0"/>
+              <a:t>):</a:t>
+            </a:r>
+          </a:p>
+          <a:p>
+            <a:pPr lvl="2"/>
+            <a:r>
+              <a:rPr lang="en-US" altLang="zh-CN" dirty="0" err="1"/>
+              <a:t>pred</a:t>
+            </a:r>
+            <a:r>
+              <a:rPr lang="en-US" altLang="zh-CN" dirty="0"/>
+              <a:t> = (</a:t>
+            </a:r>
+            <a:r>
+              <a:rPr lang="en-US" altLang="zh-CN" dirty="0" err="1"/>
+              <a:t>mhat</a:t>
+            </a:r>
+            <a:r>
+              <a:rPr lang="en-US" altLang="zh-CN" dirty="0"/>
+              <a:t> * </a:t>
+            </a:r>
+            <a:r>
+              <a:rPr lang="en-US" altLang="zh-CN" dirty="0" err="1"/>
+              <a:t>reading_level</a:t>
+            </a:r>
+            <a:r>
+              <a:rPr lang="en-US" altLang="zh-CN" dirty="0"/>
+              <a:t>) + </a:t>
+            </a:r>
+            <a:r>
+              <a:rPr lang="en-US" altLang="zh-CN" dirty="0" err="1"/>
+              <a:t>bhat</a:t>
+            </a:r>
+            <a:endParaRPr lang="en-US" altLang="zh-CN" dirty="0"/>
+          </a:p>
+          <a:p>
+            <a:pPr lvl="2"/>
+            <a:r>
+              <a:rPr lang="en-US" altLang="zh-CN" dirty="0"/>
+              <a:t>return sum(</a:t>
+            </a:r>
+            <a:r>
+              <a:rPr lang="en-US" altLang="zh-CN" dirty="0" err="1"/>
+              <a:t>np.square</a:t>
+            </a:r>
+            <a:r>
+              <a:rPr lang="en-US" altLang="zh-CN" dirty="0"/>
+              <a:t>(clicks - </a:t>
+            </a:r>
+            <a:r>
+              <a:rPr lang="en-US" altLang="zh-CN" dirty="0" err="1"/>
+              <a:t>pred</a:t>
+            </a:r>
+            <a:r>
+              <a:rPr lang="en-US" altLang="zh-CN" dirty="0"/>
+              <a:t>))</a:t>
+            </a:r>
+          </a:p>
+          <a:p>
+            <a:r>
+              <a:rPr kumimoji="1" lang="en-US" altLang="zh-CN" dirty="0"/>
+              <a:t>GD</a:t>
+            </a:r>
+            <a:r>
+              <a:rPr kumimoji="1" lang="zh-CN" altLang="en-US" dirty="0"/>
+              <a:t>优化</a:t>
+            </a:r>
+            <a:endParaRPr kumimoji="1" lang="en-US" altLang="zh-CN" dirty="0"/>
           </a:p>
           <a:p>
             <a:pPr lvl="1"/>
             <a:r>
-              <a:rPr lang="en-US" altLang="zh-CN" dirty="0"/>
-              <a:t>you are allowed to keep the dataset in memory, and you do not need to use Spark. </a:t>
-            </a:r>
-          </a:p>
-          <a:p>
-            <a:r>
-              <a:rPr lang="en-US" altLang="zh-CN" dirty="0"/>
-              <a:t>What to submit </a:t>
-            </a:r>
+              <a:rPr kumimoji="1" lang="zh-CN" altLang="en-US" dirty="0"/>
+              <a:t>梯度下降方法</a:t>
+            </a:r>
+            <a:endParaRPr kumimoji="1" lang="en-US" altLang="zh-CN" dirty="0"/>
           </a:p>
           <a:p>
             <a:pPr lvl="1"/>
             <a:r>
-              <a:rPr lang="en-US" altLang="zh-CN" dirty="0"/>
-              <a:t>latex</a:t>
-            </a:r>
-            <a:r>
-              <a:rPr lang="zh-CN" altLang="en-US" dirty="0"/>
-              <a:t> 公式</a:t>
-            </a:r>
-            <a:endParaRPr lang="en-US" altLang="zh-CN" dirty="0"/>
-          </a:p>
-          <a:p>
-            <a:pPr lvl="1"/>
-            <a:r>
-              <a:rPr lang="zh-CN" altLang="en-US" dirty="0"/>
-              <a:t>收敛图</a:t>
-            </a:r>
-            <a:endParaRPr lang="en-US" altLang="zh-CN" dirty="0"/>
-          </a:p>
-          <a:p>
-            <a:pPr lvl="1"/>
-            <a:r>
-              <a:rPr lang="zh-CN" altLang="en-US" dirty="0"/>
-              <a:t>代码</a:t>
-            </a:r>
-            <a:endParaRPr lang="en-US" altLang="zh-CN" dirty="0"/>
-          </a:p>
-          <a:p>
-            <a:r>
-              <a:rPr lang="en-US" altLang="zh-CN" dirty="0"/>
-              <a:t>2</a:t>
-            </a:r>
-            <a:r>
-              <a:rPr lang="zh-CN" altLang="en-US" dirty="0"/>
-              <a:t>周时间</a:t>
-            </a:r>
-            <a:endParaRPr lang="en-US" altLang="zh-CN" dirty="0"/>
-          </a:p>
-          <a:p>
-            <a:endParaRPr kumimoji="1" lang="zh-CN" altLang="en-US" dirty="0"/>
+              <a:rPr kumimoji="1" lang="en-US" altLang="zh-CN" dirty="0"/>
+              <a:t>SGD</a:t>
+            </a:r>
+            <a:r>
+              <a:rPr kumimoji="1" lang="zh-CN" altLang="en-US" dirty="0"/>
+              <a:t>方法</a:t>
+            </a:r>
+            <a:endParaRPr kumimoji="1" lang="en-US" altLang="zh-CN" dirty="0"/>
+          </a:p>
+          <a:p>
+            <a:r>
+              <a:rPr kumimoji="1" lang="zh-CN" altLang="en-US" dirty="0"/>
+              <a:t>梯度下降</a:t>
+            </a:r>
           </a:p>
         </p:txBody>
       </p:sp>
     </p:spTree>
     <p:extLst>
       <p:ext uri="{BB962C8B-B14F-4D97-AF65-F5344CB8AC3E}">
-        <p14:creationId xmlns:p14="http://schemas.microsoft.com/office/powerpoint/2010/main" val="2964452634"/>
+        <p14:creationId xmlns:p14="http://schemas.microsoft.com/office/powerpoint/2010/main" val="3615132916"/>
       </p:ext>
     </p:extLst>
   </p:cSld>
@@ -5571,8 +5678,8 @@
         </p:blipFill>
         <p:spPr>
           <a:xfrm>
-            <a:off x="905315" y="4203169"/>
-            <a:ext cx="4089765" cy="1446565"/>
+            <a:off x="518039" y="4338105"/>
+            <a:ext cx="4828033" cy="1707693"/>
           </a:xfrm>
           <a:prstGeom prst="rect">
             <a:avLst/>
@@ -5583,6 +5690,155 @@
     <p:extLst>
       <p:ext uri="{BB962C8B-B14F-4D97-AF65-F5344CB8AC3E}">
         <p14:creationId xmlns:p14="http://schemas.microsoft.com/office/powerpoint/2010/main" val="22197305"/>
+      </p:ext>
+    </p:extLst>
+  </p:cSld>
+  <p:clrMapOvr>
+    <a:masterClrMapping/>
+  </p:clrMapOvr>
+</p:sld>
+</file>
+
+<file path=ppt/slides/slide20.xml><?xml version="1.0" encoding="utf-8"?>
+<p:sld xmlns:a="http://schemas.openxmlformats.org/drawingml/2006/main" xmlns:r="http://schemas.openxmlformats.org/officeDocument/2006/relationships" xmlns:p="http://schemas.openxmlformats.org/presentationml/2006/main">
+  <p:cSld>
+    <p:spTree>
+      <p:nvGrpSpPr>
+        <p:cNvPr id="1" name=""/>
+        <p:cNvGrpSpPr/>
+        <p:nvPr/>
+      </p:nvGrpSpPr>
+      <p:grpSpPr>
+        <a:xfrm>
+          <a:off x="0" y="0"/>
+          <a:ext cx="0" cy="0"/>
+          <a:chOff x="0" y="0"/>
+          <a:chExt cx="0" cy="0"/>
+        </a:xfrm>
+      </p:grpSpPr>
+      <p:sp>
+        <p:nvSpPr>
+          <p:cNvPr id="2" name="标题 1">
+            <a:extLst>
+              <a:ext uri="{FF2B5EF4-FFF2-40B4-BE49-F238E27FC236}">
+                <a16:creationId xmlns:a16="http://schemas.microsoft.com/office/drawing/2014/main" id="{AF4539C6-644F-584F-BB66-083AD3D771CA}"/>
+              </a:ext>
+            </a:extLst>
+          </p:cNvPr>
+          <p:cNvSpPr>
+            <a:spLocks noGrp="1"/>
+          </p:cNvSpPr>
+          <p:nvPr>
+            <p:ph type="title"/>
+          </p:nvPr>
+        </p:nvSpPr>
+        <p:spPr/>
+        <p:txBody>
+          <a:bodyPr/>
+          <a:lstStyle/>
+          <a:p>
+            <a:r>
+              <a:rPr kumimoji="1" lang="zh-CN" altLang="en-US"/>
+              <a:t>作业</a:t>
+            </a:r>
+            <a:endParaRPr kumimoji="1" lang="zh-CN" altLang="en-US" dirty="0"/>
+          </a:p>
+        </p:txBody>
+      </p:sp>
+      <p:sp>
+        <p:nvSpPr>
+          <p:cNvPr id="3" name="内容占位符 2">
+            <a:extLst>
+              <a:ext uri="{FF2B5EF4-FFF2-40B4-BE49-F238E27FC236}">
+                <a16:creationId xmlns:a16="http://schemas.microsoft.com/office/drawing/2014/main" id="{49E133F6-5547-FA4F-829B-140EB6AB7665}"/>
+              </a:ext>
+            </a:extLst>
+          </p:cNvPr>
+          <p:cNvSpPr>
+            <a:spLocks noGrp="1"/>
+          </p:cNvSpPr>
+          <p:nvPr>
+            <p:ph idx="1"/>
+          </p:nvPr>
+        </p:nvSpPr>
+        <p:spPr/>
+        <p:txBody>
+          <a:bodyPr/>
+          <a:lstStyle/>
+          <a:p>
+            <a:r>
+              <a:rPr kumimoji="1" lang="en-US" altLang="zh-CN" dirty="0"/>
+              <a:t>HW4</a:t>
+            </a:r>
+          </a:p>
+          <a:p>
+            <a:pPr lvl="1"/>
+            <a:r>
+              <a:rPr lang="en-US" altLang="zh-CN" dirty="0"/>
+              <a:t>Implementation of SVM via Gradient Descent </a:t>
+            </a:r>
+          </a:p>
+          <a:p>
+            <a:pPr lvl="1"/>
+            <a:r>
+              <a:rPr lang="en-US" altLang="zh-CN" dirty="0"/>
+              <a:t>you are allowed to keep the dataset in memory, and you do not need to use Spark. </a:t>
+            </a:r>
+          </a:p>
+          <a:p>
+            <a:r>
+              <a:rPr lang="en-US" altLang="zh-CN" dirty="0"/>
+              <a:t>What to submit </a:t>
+            </a:r>
+          </a:p>
+          <a:p>
+            <a:pPr lvl="1"/>
+            <a:r>
+              <a:rPr lang="en-US" altLang="zh-CN" dirty="0"/>
+              <a:t>latex</a:t>
+            </a:r>
+            <a:r>
+              <a:rPr lang="zh-CN" altLang="en-US" dirty="0"/>
+              <a:t> 公式</a:t>
+            </a:r>
+            <a:endParaRPr lang="en-US" altLang="zh-CN" dirty="0"/>
+          </a:p>
+          <a:p>
+            <a:pPr lvl="1"/>
+            <a:r>
+              <a:rPr lang="zh-CN" altLang="en-US" dirty="0"/>
+              <a:t>收敛图</a:t>
+            </a:r>
+            <a:endParaRPr lang="en-US" altLang="zh-CN" dirty="0"/>
+          </a:p>
+          <a:p>
+            <a:pPr lvl="1"/>
+            <a:r>
+              <a:rPr lang="zh-CN" altLang="en-US" dirty="0"/>
+              <a:t>代码</a:t>
+            </a:r>
+            <a:endParaRPr lang="en-US" altLang="zh-CN" dirty="0"/>
+          </a:p>
+          <a:p>
+            <a:r>
+              <a:rPr lang="en-US" altLang="zh-CN" dirty="0"/>
+              <a:t>2</a:t>
+            </a:r>
+            <a:r>
+              <a:rPr lang="zh-CN" altLang="en-US" dirty="0"/>
+              <a:t>周时间</a:t>
+            </a:r>
+            <a:endParaRPr lang="en-US" altLang="zh-CN" dirty="0"/>
+          </a:p>
+          <a:p>
+            <a:endParaRPr kumimoji="1" lang="zh-CN" altLang="en-US" dirty="0"/>
+          </a:p>
+        </p:txBody>
+      </p:sp>
+    </p:spTree>
+    <p:extLst>
+      <p:ext uri="{BB962C8B-B14F-4D97-AF65-F5344CB8AC3E}">
+        <p14:creationId xmlns:p14="http://schemas.microsoft.com/office/powerpoint/2010/main" val="2964452634"/>
       </p:ext>
     </p:extLst>
   </p:cSld>
@@ -5739,8 +5995,8 @@
         </p:blipFill>
         <p:spPr>
           <a:xfrm>
-            <a:off x="5726879" y="131463"/>
-            <a:ext cx="3425588" cy="1211643"/>
+            <a:off x="4825170" y="123422"/>
+            <a:ext cx="4318830" cy="1527586"/>
           </a:xfrm>
           <a:prstGeom prst="rect">
             <a:avLst/>
@@ -5881,29 +6137,6 @@
           </a:prstGeom>
         </p:spPr>
       </p:pic>
-      <p:sp>
-        <p:nvSpPr>
-          <p:cNvPr id="2" name="标题 1"/>
-          <p:cNvSpPr>
-            <a:spLocks noGrp="1"/>
-          </p:cNvSpPr>
-          <p:nvPr>
-            <p:ph type="title"/>
-          </p:nvPr>
-        </p:nvSpPr>
-        <p:spPr/>
-        <p:txBody>
-          <a:bodyPr/>
-          <a:lstStyle/>
-          <a:p>
-            <a:r>
-              <a:rPr lang="en-US" altLang="zh-CN" dirty="0"/>
-              <a:t>Loss</a:t>
-            </a:r>
-            <a:endParaRPr lang="zh-CN" altLang="en-US" dirty="0"/>
-          </a:p>
-        </p:txBody>
-      </p:sp>
       <p:pic>
         <p:nvPicPr>
           <p:cNvPr id="4" name="图片 3"/>
@@ -6054,41 +6287,6 @@
           </a:prstGeom>
         </p:spPr>
       </p:pic>
-      <p:sp>
-        <p:nvSpPr>
-          <p:cNvPr id="13" name="内容占位符 2"/>
-          <p:cNvSpPr>
-            <a:spLocks noGrp="1"/>
-          </p:cNvSpPr>
-          <p:nvPr>
-            <p:ph idx="1"/>
-          </p:nvPr>
-        </p:nvSpPr>
-        <p:spPr>
-          <a:xfrm>
-            <a:off x="492207" y="1697531"/>
-            <a:ext cx="5417273" cy="754241"/>
-          </a:xfrm>
-          <a:solidFill>
-            <a:schemeClr val="bg1"/>
-          </a:solidFill>
-        </p:spPr>
-        <p:txBody>
-          <a:bodyPr>
-            <a:normAutofit/>
-          </a:bodyPr>
-          <a:lstStyle/>
-          <a:p>
-            <a:pPr marL="0" indent="0">
-              <a:buNone/>
-            </a:pPr>
-            <a:r>
-              <a:rPr lang="zh-CN" altLang="en-US" sz="3200" dirty="0"/>
-              <a:t>离边界的距离</a:t>
-            </a:r>
-          </a:p>
-        </p:txBody>
-      </p:sp>
       <p:pic>
         <p:nvPicPr>
           <p:cNvPr id="14" name="图片 13"/>
@@ -6113,6 +6311,52 @@
           </a:prstGeom>
         </p:spPr>
       </p:pic>
+      <p:sp>
+        <p:nvSpPr>
+          <p:cNvPr id="5" name="标题 4">
+            <a:extLst>
+              <a:ext uri="{FF2B5EF4-FFF2-40B4-BE49-F238E27FC236}">
+                <a16:creationId xmlns:a16="http://schemas.microsoft.com/office/drawing/2014/main" id="{C5EF6D25-11AA-644D-99A2-576F343055A7}"/>
+              </a:ext>
+            </a:extLst>
+          </p:cNvPr>
+          <p:cNvSpPr>
+            <a:spLocks noGrp="1"/>
+          </p:cNvSpPr>
+          <p:nvPr>
+            <p:ph type="title"/>
+          </p:nvPr>
+        </p:nvSpPr>
+        <p:spPr>
+          <a:xfrm>
+            <a:off x="391640" y="1117059"/>
+            <a:ext cx="7886700" cy="1325563"/>
+          </a:xfrm>
+        </p:spPr>
+        <p:txBody>
+          <a:bodyPr>
+            <a:normAutofit fontScale="90000"/>
+          </a:bodyPr>
+          <a:lstStyle/>
+          <a:p>
+            <a:r>
+              <a:rPr lang="zh-CN" altLang="en-US" dirty="0"/>
+              <a:t>惩罚的数学表示：</a:t>
+            </a:r>
+            <a:br>
+              <a:rPr lang="en-US" altLang="zh-CN" dirty="0"/>
+            </a:br>
+            <a:r>
+              <a:rPr lang="zh-CN" altLang="en-US" dirty="0"/>
+              <a:t>离边界的距离</a:t>
+            </a:r>
+            <a:br>
+              <a:rPr lang="zh-CN" altLang="en-US" dirty="0"/>
+            </a:br>
+            <a:endParaRPr lang="zh-CN" altLang="en-US" dirty="0"/>
+          </a:p>
+        </p:txBody>
+      </p:sp>
     </p:spTree>
     <p:extLst>
       <p:ext uri="{BB962C8B-B14F-4D97-AF65-F5344CB8AC3E}">
@@ -6235,7 +6479,7 @@
           <a:p>
             <a:r>
               <a:rPr lang="zh-CN" altLang="en-US" dirty="0"/>
-              <a:t>优化</a:t>
+              <a:t>最终的优化方程</a:t>
             </a:r>
           </a:p>
         </p:txBody>
@@ -6264,6 +6508,14 @@
               <a:rPr lang="zh-CN" altLang="en-US" dirty="0"/>
               <a:t>最小化</a:t>
             </a:r>
+            <a:endParaRPr lang="en-US" altLang="zh-CN" dirty="0"/>
+          </a:p>
+          <a:p>
+            <a:pPr>
+              <a:lnSpc>
+                <a:spcPct val="150000"/>
+              </a:lnSpc>
+            </a:pPr>
             <a:endParaRPr lang="en-US" altLang="zh-CN" dirty="0"/>
           </a:p>
           <a:p>
@@ -6350,8 +6602,8 @@
         </p:blipFill>
         <p:spPr>
           <a:xfrm>
-            <a:off x="1915984" y="2464078"/>
-            <a:ext cx="6719390" cy="873822"/>
+            <a:off x="696784" y="2649328"/>
+            <a:ext cx="7554679" cy="982447"/>
           </a:xfrm>
           <a:prstGeom prst="rect">
             <a:avLst/>
@@ -6398,7 +6650,7 @@
         </p:blipFill>
         <p:spPr>
           <a:xfrm>
-            <a:off x="2028825" y="4572024"/>
+            <a:off x="2028825" y="5273282"/>
             <a:ext cx="2543175" cy="1047750"/>
           </a:xfrm>
           <a:prstGeom prst="rect">
@@ -6606,7 +6858,7 @@
         </p:blipFill>
         <p:spPr>
           <a:xfrm>
-            <a:off x="1047750" y="5412048"/>
+            <a:off x="1047750" y="5330225"/>
             <a:ext cx="7467600" cy="1152525"/>
           </a:xfrm>
           <a:prstGeom prst="rect">
@@ -6622,7 +6874,7 @@
         </p:nvSpPr>
         <p:spPr>
           <a:xfrm>
-            <a:off x="287456" y="5715354"/>
+            <a:off x="380593" y="5613750"/>
             <a:ext cx="682388" cy="545911"/>
           </a:xfrm>
           <a:prstGeom prst="rightArrow">
@@ -6651,6 +6903,44 @@
           <a:p>
             <a:pPr algn="ctr"/>
             <a:endParaRPr lang="zh-CN" altLang="en-US"/>
+          </a:p>
+        </p:txBody>
+      </p:sp>
+      <p:sp>
+        <p:nvSpPr>
+          <p:cNvPr id="9" name="矩形 8">
+            <a:extLst>
+              <a:ext uri="{FF2B5EF4-FFF2-40B4-BE49-F238E27FC236}">
+                <a16:creationId xmlns:a16="http://schemas.microsoft.com/office/drawing/2014/main" id="{1344E4CD-FAAB-1A4C-B5E4-7AEF0196CA52}"/>
+              </a:ext>
+            </a:extLst>
+          </p:cNvPr>
+          <p:cNvSpPr/>
+          <p:nvPr/>
+        </p:nvSpPr>
+        <p:spPr>
+          <a:xfrm>
+            <a:off x="2496026" y="6396335"/>
+            <a:ext cx="6647974" cy="461665"/>
+          </a:xfrm>
+          <a:prstGeom prst="rect">
+            <a:avLst/>
+          </a:prstGeom>
+        </p:spPr>
+        <p:txBody>
+          <a:bodyPr wrap="none">
+            <a:spAutoFit/>
+          </a:bodyPr>
+          <a:lstStyle/>
+          <a:p>
+            <a:r>
+              <a:rPr lang="zh-CN" altLang="en-US" sz="2400" dirty="0">
+                <a:solidFill>
+                  <a:srgbClr val="FF0000"/>
+                </a:solidFill>
+              </a:rPr>
+              <a:t>这个式子和感知机的旋转式子有什么相似之处？</a:t>
+            </a:r>
           </a:p>
         </p:txBody>
       </p:sp>
@@ -7301,86 +7591,98 @@
         <p:spPr>
           <a:xfrm>
             <a:off x="272955" y="1825625"/>
-            <a:ext cx="2456598" cy="4351338"/>
+            <a:ext cx="2456598" cy="3796242"/>
           </a:xfrm>
         </p:spPr>
         <p:txBody>
           <a:bodyPr>
-            <a:normAutofit fontScale="92500" lnSpcReduction="20000"/>
+            <a:normAutofit lnSpcReduction="10000"/>
           </a:bodyPr>
           <a:lstStyle/>
           <a:p>
-            <a:r>
-              <a:rPr lang="en-US" altLang="zh-CN" dirty="0"/>
+            <a:pPr>
+              <a:lnSpc>
+                <a:spcPct val="120000"/>
+              </a:lnSpc>
+            </a:pPr>
+            <a:r>
+              <a:rPr lang="en-US" altLang="zh-CN" sz="2400" dirty="0"/>
               <a:t>C= 0.1</a:t>
             </a:r>
             <a:r>
-              <a:rPr lang="zh-CN" altLang="en-US" dirty="0"/>
+              <a:rPr lang="zh-CN" altLang="en-US" sz="2400" dirty="0"/>
               <a:t>，</a:t>
             </a:r>
-            <a:endParaRPr lang="en-US" altLang="zh-CN" dirty="0"/>
-          </a:p>
-          <a:p>
-            <a:r>
-              <a:rPr lang="en-US" altLang="zh-CN" dirty="0"/>
+            <a:endParaRPr lang="en-US" altLang="zh-CN" sz="2400" dirty="0"/>
+          </a:p>
+          <a:p>
+            <a:pPr>
+              <a:lnSpc>
+                <a:spcPct val="120000"/>
+              </a:lnSpc>
+            </a:pPr>
+            <a:r>
+              <a:rPr lang="en-US" altLang="zh-CN" sz="2400" dirty="0"/>
               <a:t>b</a:t>
             </a:r>
             <a:r>
-              <a:rPr lang="zh-CN" altLang="en-US" dirty="0"/>
+              <a:rPr lang="zh-CN" altLang="en-US" sz="2400" dirty="0"/>
               <a:t>作为一个</a:t>
             </a:r>
             <a:r>
-              <a:rPr lang="en-US" altLang="zh-CN" dirty="0"/>
+              <a:rPr lang="en-US" altLang="zh-CN" sz="2400" dirty="0"/>
               <a:t>W</a:t>
             </a:r>
             <a:r>
-              <a:rPr lang="zh-CN" altLang="en-US" dirty="0"/>
+              <a:rPr lang="zh-CN" altLang="en-US" sz="2400" dirty="0"/>
               <a:t>，参与优化，</a:t>
             </a:r>
-            <a:endParaRPr lang="en-US" altLang="zh-CN" dirty="0"/>
-          </a:p>
-          <a:p>
-            <a:r>
-              <a:rPr lang="zh-CN" altLang="en-US" dirty="0"/>
+            <a:r>
+              <a:rPr lang="en-US" altLang="zh-CN" sz="2400" dirty="0"/>
+              <a:t>b</a:t>
+            </a:r>
+            <a:r>
+              <a:rPr lang="zh-CN" altLang="en-US" sz="2400" dirty="0"/>
+              <a:t>对应的样本值为</a:t>
+            </a:r>
+            <a:r>
+              <a:rPr lang="en-US" altLang="zh-CN" sz="2400" dirty="0"/>
+              <a:t>1</a:t>
+            </a:r>
+          </a:p>
+          <a:p>
+            <a:pPr>
+              <a:lnSpc>
+                <a:spcPct val="120000"/>
+              </a:lnSpc>
+            </a:pPr>
+            <a:r>
+              <a:rPr lang="zh-CN" altLang="en-US" sz="2400" dirty="0"/>
               <a:t>初始 </a:t>
             </a:r>
             <a:r>
-              <a:rPr lang="en-US" altLang="zh-CN" dirty="0"/>
+              <a:rPr lang="en-US" altLang="zh-CN" sz="2400" dirty="0"/>
               <a:t>W = [0,1], b = -2</a:t>
             </a:r>
           </a:p>
           <a:p>
-            <a:r>
-              <a:rPr lang="en-US" altLang="zh-CN" dirty="0"/>
-              <a:t>b</a:t>
-            </a:r>
-            <a:r>
-              <a:rPr lang="zh-CN" altLang="en-US" dirty="0"/>
-              <a:t>对应的样本值为</a:t>
-            </a:r>
-            <a:r>
-              <a:rPr lang="en-US" altLang="zh-CN" dirty="0"/>
-              <a:t>1</a:t>
-            </a:r>
-          </a:p>
-          <a:p>
-            <a:endParaRPr lang="en-US" altLang="zh-CN" dirty="0"/>
-          </a:p>
-          <a:p>
-            <a:endParaRPr lang="en-US" altLang="zh-CN" dirty="0"/>
-          </a:p>
-          <a:p>
             <a:pPr marL="0" indent="0">
+              <a:lnSpc>
+                <a:spcPct val="120000"/>
+              </a:lnSpc>
               <a:buNone/>
             </a:pPr>
-            <a:endParaRPr lang="en-US" altLang="zh-CN" dirty="0"/>
+            <a:endParaRPr lang="en-US" altLang="zh-CN" sz="2400" dirty="0"/>
           </a:p>
           <a:p>
             <a:pPr marL="0" indent="0">
+              <a:lnSpc>
+                <a:spcPct val="120000"/>
+              </a:lnSpc>
               <a:buNone/>
             </a:pPr>
             <a:r>
-              <a:rPr lang="zh-CN" altLang="en-US" dirty="0"/>
+              <a:rPr lang="zh-CN" altLang="en-US" sz="2400" dirty="0"/>
               <a:t>     训练集</a:t>
             </a:r>
           </a:p>
@@ -7402,7 +7704,7 @@
         </p:blipFill>
         <p:spPr>
           <a:xfrm>
-            <a:off x="1536937" y="1798329"/>
+            <a:off x="1398279" y="1910663"/>
             <a:ext cx="1047750" cy="323850"/>
           </a:xfrm>
           <a:prstGeom prst="rect">
@@ -7426,7 +7728,7 @@
         </p:blipFill>
         <p:spPr>
           <a:xfrm>
-            <a:off x="517797" y="4478502"/>
+            <a:off x="517797" y="4656302"/>
             <a:ext cx="1966913" cy="400050"/>
           </a:xfrm>
           <a:prstGeom prst="rect">

--- a/ppt/11-svm-sgd.pptx
+++ b/ppt/11-svm-sgd.pptx
@@ -12,8 +12,8 @@
     <p:sldId id="300" r:id="rId3"/>
     <p:sldId id="301" r:id="rId4"/>
     <p:sldId id="302" r:id="rId5"/>
-    <p:sldId id="303" r:id="rId6"/>
-    <p:sldId id="317" r:id="rId7"/>
+    <p:sldId id="317" r:id="rId6"/>
+    <p:sldId id="303" r:id="rId7"/>
     <p:sldId id="304" r:id="rId8"/>
     <p:sldId id="305" r:id="rId9"/>
     <p:sldId id="318" r:id="rId10"/>
@@ -227,7 +227,7 @@
           <a:p>
             <a:fld id="{C532CDA2-750D-FD45-A882-179FF79AAE4D}" type="datetimeFigureOut">
               <a:rPr kumimoji="1" lang="zh-CN" altLang="en-US" smtClean="0"/>
-              <a:t>2022/9/5</a:t>
+              <a:t>2023/9/25</a:t>
             </a:fld>
             <a:endParaRPr kumimoji="1" lang="zh-CN" altLang="en-US"/>
           </a:p>
@@ -625,7 +625,7 @@
           <a:p>
             <a:fld id="{863083FF-67D0-47DA-8916-8A170DE3AF72}" type="datetimeFigureOut">
               <a:rPr lang="zh-CN" altLang="en-US" smtClean="0"/>
-              <a:t>2022/9/5</a:t>
+              <a:t>2023/9/25</a:t>
             </a:fld>
             <a:endParaRPr lang="zh-CN" altLang="en-US"/>
           </a:p>
@@ -795,7 +795,7 @@
           <a:p>
             <a:fld id="{863083FF-67D0-47DA-8916-8A170DE3AF72}" type="datetimeFigureOut">
               <a:rPr lang="zh-CN" altLang="en-US" smtClean="0"/>
-              <a:t>2022/9/5</a:t>
+              <a:t>2023/9/25</a:t>
             </a:fld>
             <a:endParaRPr lang="zh-CN" altLang="en-US"/>
           </a:p>
@@ -975,7 +975,7 @@
           <a:p>
             <a:fld id="{863083FF-67D0-47DA-8916-8A170DE3AF72}" type="datetimeFigureOut">
               <a:rPr lang="zh-CN" altLang="en-US" smtClean="0"/>
-              <a:t>2022/9/5</a:t>
+              <a:t>2023/9/25</a:t>
             </a:fld>
             <a:endParaRPr lang="zh-CN" altLang="en-US"/>
           </a:p>
@@ -1145,7 +1145,7 @@
           <a:p>
             <a:fld id="{863083FF-67D0-47DA-8916-8A170DE3AF72}" type="datetimeFigureOut">
               <a:rPr lang="zh-CN" altLang="en-US" smtClean="0"/>
-              <a:t>2022/9/5</a:t>
+              <a:t>2023/9/25</a:t>
             </a:fld>
             <a:endParaRPr lang="zh-CN" altLang="en-US"/>
           </a:p>
@@ -1389,7 +1389,7 @@
           <a:p>
             <a:fld id="{863083FF-67D0-47DA-8916-8A170DE3AF72}" type="datetimeFigureOut">
               <a:rPr lang="zh-CN" altLang="en-US" smtClean="0"/>
-              <a:t>2022/9/5</a:t>
+              <a:t>2023/9/25</a:t>
             </a:fld>
             <a:endParaRPr lang="zh-CN" altLang="en-US"/>
           </a:p>
@@ -1621,7 +1621,7 @@
           <a:p>
             <a:fld id="{863083FF-67D0-47DA-8916-8A170DE3AF72}" type="datetimeFigureOut">
               <a:rPr lang="zh-CN" altLang="en-US" smtClean="0"/>
-              <a:t>2022/9/5</a:t>
+              <a:t>2023/9/25</a:t>
             </a:fld>
             <a:endParaRPr lang="zh-CN" altLang="en-US"/>
           </a:p>
@@ -1988,7 +1988,7 @@
           <a:p>
             <a:fld id="{863083FF-67D0-47DA-8916-8A170DE3AF72}" type="datetimeFigureOut">
               <a:rPr lang="zh-CN" altLang="en-US" smtClean="0"/>
-              <a:t>2022/9/5</a:t>
+              <a:t>2023/9/25</a:t>
             </a:fld>
             <a:endParaRPr lang="zh-CN" altLang="en-US"/>
           </a:p>
@@ -2106,7 +2106,7 @@
           <a:p>
             <a:fld id="{863083FF-67D0-47DA-8916-8A170DE3AF72}" type="datetimeFigureOut">
               <a:rPr lang="zh-CN" altLang="en-US" smtClean="0"/>
-              <a:t>2022/9/5</a:t>
+              <a:t>2023/9/25</a:t>
             </a:fld>
             <a:endParaRPr lang="zh-CN" altLang="en-US"/>
           </a:p>
@@ -2201,7 +2201,7 @@
           <a:p>
             <a:fld id="{863083FF-67D0-47DA-8916-8A170DE3AF72}" type="datetimeFigureOut">
               <a:rPr lang="zh-CN" altLang="en-US" smtClean="0"/>
-              <a:t>2022/9/5</a:t>
+              <a:t>2023/9/25</a:t>
             </a:fld>
             <a:endParaRPr lang="zh-CN" altLang="en-US"/>
           </a:p>
@@ -2478,7 +2478,7 @@
           <a:p>
             <a:fld id="{863083FF-67D0-47DA-8916-8A170DE3AF72}" type="datetimeFigureOut">
               <a:rPr lang="zh-CN" altLang="en-US" smtClean="0"/>
-              <a:t>2022/9/5</a:t>
+              <a:t>2023/9/25</a:t>
             </a:fld>
             <a:endParaRPr lang="zh-CN" altLang="en-US"/>
           </a:p>
@@ -2735,7 +2735,7 @@
           <a:p>
             <a:fld id="{863083FF-67D0-47DA-8916-8A170DE3AF72}" type="datetimeFigureOut">
               <a:rPr lang="zh-CN" altLang="en-US" smtClean="0"/>
-              <a:t>2022/9/5</a:t>
+              <a:t>2023/9/25</a:t>
             </a:fld>
             <a:endParaRPr lang="zh-CN" altLang="en-US"/>
           </a:p>
@@ -2948,7 +2948,7 @@
           <a:p>
             <a:fld id="{863083FF-67D0-47DA-8916-8A170DE3AF72}" type="datetimeFigureOut">
               <a:rPr lang="zh-CN" altLang="en-US" smtClean="0"/>
-              <a:t>2022/9/5</a:t>
+              <a:t>2023/9/25</a:t>
             </a:fld>
             <a:endParaRPr lang="zh-CN" altLang="en-US"/>
           </a:p>
@@ -5579,7 +5579,7 @@
         </p:nvSpPr>
         <p:spPr>
           <a:xfrm>
-            <a:off x="437581" y="528899"/>
+            <a:off x="345957" y="-39292"/>
             <a:ext cx="7886700" cy="1325563"/>
           </a:xfrm>
         </p:spPr>
@@ -5606,8 +5606,8 @@
         </p:nvSpPr>
         <p:spPr>
           <a:xfrm>
-            <a:off x="437581" y="1989398"/>
-            <a:ext cx="7886700" cy="4351338"/>
+            <a:off x="437581" y="1467852"/>
+            <a:ext cx="7886700" cy="4872883"/>
           </a:xfrm>
         </p:spPr>
         <p:txBody>
@@ -5616,7 +5616,22 @@
           <a:p>
             <a:r>
               <a:rPr lang="zh-CN" altLang="en-US" dirty="0"/>
-              <a:t>引入惩罚：离边界的距离</a:t>
+              <a:t>允许到边界里面来</a:t>
+            </a:r>
+            <a:endParaRPr lang="en-US" altLang="zh-CN" dirty="0"/>
+          </a:p>
+          <a:p>
+            <a:r>
+              <a:rPr lang="zh-CN" altLang="en-US" dirty="0"/>
+              <a:t>加一个 </a:t>
+            </a:r>
+            <a:r>
+              <a:rPr lang="en-US" altLang="zh-CN" dirty="0"/>
+              <a:t>Loss</a:t>
+            </a:r>
+            <a:r>
+              <a:rPr lang="zh-CN" altLang="en-US" dirty="0"/>
+              <a:t>：到边界的距离</a:t>
             </a:r>
             <a:endParaRPr lang="en-US" altLang="zh-CN" dirty="0"/>
           </a:p>
@@ -5877,12 +5892,21 @@
         </p:nvSpPr>
         <p:spPr/>
         <p:txBody>
-          <a:bodyPr/>
-          <a:lstStyle/>
-          <a:p>
-            <a:r>
-              <a:rPr lang="zh-CN" altLang="en-US" dirty="0"/>
-              <a:t>惩罚</a:t>
+          <a:bodyPr>
+            <a:normAutofit/>
+          </a:bodyPr>
+          <a:lstStyle/>
+          <a:p>
+            <a:r>
+              <a:rPr lang="zh-CN" altLang="en-US" sz="4000" dirty="0"/>
+              <a:t>两个优化目标</a:t>
+            </a:r>
+            <a:br>
+              <a:rPr lang="en-US" altLang="zh-CN" sz="4000" dirty="0"/>
+            </a:br>
+            <a:r>
+              <a:rPr lang="zh-CN" altLang="en-US" sz="4000" dirty="0"/>
+              <a:t>的相对重要性</a:t>
             </a:r>
           </a:p>
         </p:txBody>
@@ -6303,8 +6327,8 @@
         </p:blipFill>
         <p:spPr>
           <a:xfrm>
-            <a:off x="2948229" y="-728128"/>
-            <a:ext cx="3663236" cy="1295700"/>
+            <a:off x="1879777" y="-1048700"/>
+            <a:ext cx="4626254" cy="1636323"/>
           </a:xfrm>
           <a:prstGeom prst="rect">
             <a:avLst/>
@@ -6329,23 +6353,16 @@
         </p:nvSpPr>
         <p:spPr>
           <a:xfrm>
-            <a:off x="391640" y="1117059"/>
+            <a:off x="343876" y="830981"/>
             <a:ext cx="7886700" cy="1325563"/>
           </a:xfrm>
         </p:spPr>
         <p:txBody>
           <a:bodyPr>
-            <a:normAutofit fontScale="90000"/>
+            <a:normAutofit/>
           </a:bodyPr>
           <a:lstStyle/>
           <a:p>
-            <a:r>
-              <a:rPr lang="zh-CN" altLang="en-US" dirty="0"/>
-              <a:t>惩罚的数学表示：</a:t>
-            </a:r>
-            <a:br>
-              <a:rPr lang="en-US" altLang="zh-CN" dirty="0"/>
-            </a:br>
             <a:r>
               <a:rPr lang="zh-CN" altLang="en-US" dirty="0"/>
               <a:t>离边界的距离</a:t>
@@ -6354,6 +6371,102 @@
               <a:rPr lang="zh-CN" altLang="en-US" dirty="0"/>
             </a:br>
             <a:endParaRPr lang="zh-CN" altLang="en-US" dirty="0"/>
+          </a:p>
+        </p:txBody>
+      </p:sp>
+      <p:pic>
+        <p:nvPicPr>
+          <p:cNvPr id="2" name="图片 1">
+            <a:extLst>
+              <a:ext uri="{FF2B5EF4-FFF2-40B4-BE49-F238E27FC236}">
+                <a16:creationId xmlns:a16="http://schemas.microsoft.com/office/drawing/2014/main" id="{47CEAF1F-AD9A-70D2-6ACD-2B1E17E73387}"/>
+              </a:ext>
+            </a:extLst>
+          </p:cNvPr>
+          <p:cNvPicPr>
+            <a:picLocks noChangeAspect="1"/>
+          </p:cNvPicPr>
+          <p:nvPr/>
+        </p:nvPicPr>
+        <p:blipFill>
+          <a:blip r:embed="rId9"/>
+          <a:stretch>
+            <a:fillRect/>
+          </a:stretch>
+        </p:blipFill>
+        <p:spPr>
+          <a:xfrm>
+            <a:off x="781049" y="1589677"/>
+            <a:ext cx="3411855" cy="647378"/>
+          </a:xfrm>
+          <a:prstGeom prst="rect">
+            <a:avLst/>
+          </a:prstGeom>
+        </p:spPr>
+      </p:pic>
+      <p:sp>
+        <p:nvSpPr>
+          <p:cNvPr id="3" name="标题 4">
+            <a:extLst>
+              <a:ext uri="{FF2B5EF4-FFF2-40B4-BE49-F238E27FC236}">
+                <a16:creationId xmlns:a16="http://schemas.microsoft.com/office/drawing/2014/main" id="{381C8926-F33C-A17D-957A-998B3D1D269C}"/>
+              </a:ext>
+            </a:extLst>
+          </p:cNvPr>
+          <p:cNvSpPr txBox="1">
+            <a:spLocks/>
+          </p:cNvSpPr>
+          <p:nvPr/>
+        </p:nvSpPr>
+        <p:spPr>
+          <a:xfrm>
+            <a:off x="201259" y="5510743"/>
+            <a:ext cx="6114391" cy="861863"/>
+          </a:xfrm>
+          <a:prstGeom prst="rect">
+            <a:avLst/>
+          </a:prstGeom>
+        </p:spPr>
+        <p:txBody>
+          <a:bodyPr vert="horz" lIns="91440" tIns="45720" rIns="91440" bIns="45720" rtlCol="0" anchor="ctr">
+            <a:normAutofit/>
+          </a:bodyPr>
+          <a:lstStyle>
+            <a:lvl1pPr algn="l" defTabSz="914400" rtl="0" eaLnBrk="1" latinLnBrk="0" hangingPunct="1">
+              <a:lnSpc>
+                <a:spcPct val="90000"/>
+              </a:lnSpc>
+              <a:spcBef>
+                <a:spcPct val="0"/>
+              </a:spcBef>
+              <a:buNone/>
+              <a:defRPr sz="4400" kern="1200">
+                <a:solidFill>
+                  <a:schemeClr val="tx1"/>
+                </a:solidFill>
+                <a:latin typeface="+mj-lt"/>
+                <a:ea typeface="+mj-ea"/>
+                <a:cs typeface="+mj-cs"/>
+              </a:defRPr>
+            </a:lvl1pPr>
+          </a:lstStyle>
+          <a:p>
+            <a:r>
+              <a:rPr lang="en-US" altLang="zh-CN" sz="3600" dirty="0">
+                <a:solidFill>
+                  <a:srgbClr val="FF0000"/>
+                </a:solidFill>
+              </a:rPr>
+              <a:t>L</a:t>
+            </a:r>
+            <a:r>
+              <a:rPr lang="zh-CN" altLang="en-US" sz="3600" dirty="0">
+                <a:solidFill>
+                  <a:srgbClr val="FF0000"/>
+                </a:solidFill>
+              </a:rPr>
+              <a:t> 的梯度是？</a:t>
+            </a:r>
           </a:p>
         </p:txBody>
       </p:sp>
@@ -6462,106 +6575,6 @@
           <a:chExt cx="0" cy="0"/>
         </a:xfrm>
       </p:grpSpPr>
-      <p:sp>
-        <p:nvSpPr>
-          <p:cNvPr id="2" name="标题 1"/>
-          <p:cNvSpPr>
-            <a:spLocks noGrp="1"/>
-          </p:cNvSpPr>
-          <p:nvPr>
-            <p:ph type="title"/>
-          </p:nvPr>
-        </p:nvSpPr>
-        <p:spPr/>
-        <p:txBody>
-          <a:bodyPr/>
-          <a:lstStyle/>
-          <a:p>
-            <a:r>
-              <a:rPr lang="zh-CN" altLang="en-US" dirty="0"/>
-              <a:t>最终的优化方程</a:t>
-            </a:r>
-          </a:p>
-        </p:txBody>
-      </p:sp>
-      <p:sp>
-        <p:nvSpPr>
-          <p:cNvPr id="3" name="内容占位符 2"/>
-          <p:cNvSpPr>
-            <a:spLocks noGrp="1"/>
-          </p:cNvSpPr>
-          <p:nvPr>
-            <p:ph idx="1"/>
-          </p:nvPr>
-        </p:nvSpPr>
-        <p:spPr/>
-        <p:txBody>
-          <a:bodyPr/>
-          <a:lstStyle/>
-          <a:p>
-            <a:pPr>
-              <a:lnSpc>
-                <a:spcPct val="150000"/>
-              </a:lnSpc>
-            </a:pPr>
-            <a:r>
-              <a:rPr lang="zh-CN" altLang="en-US" dirty="0"/>
-              <a:t>最小化</a:t>
-            </a:r>
-            <a:endParaRPr lang="en-US" altLang="zh-CN" dirty="0"/>
-          </a:p>
-          <a:p>
-            <a:pPr>
-              <a:lnSpc>
-                <a:spcPct val="150000"/>
-              </a:lnSpc>
-            </a:pPr>
-            <a:endParaRPr lang="en-US" altLang="zh-CN" dirty="0"/>
-          </a:p>
-          <a:p>
-            <a:pPr>
-              <a:lnSpc>
-                <a:spcPct val="150000"/>
-              </a:lnSpc>
-            </a:pPr>
-            <a:endParaRPr lang="en-US" altLang="zh-CN" dirty="0"/>
-          </a:p>
-          <a:p>
-            <a:r>
-              <a:rPr lang="en-US" altLang="zh-CN" dirty="0"/>
-              <a:t>Convex</a:t>
-            </a:r>
-            <a:r>
-              <a:rPr lang="zh-CN" altLang="en-US" dirty="0"/>
-              <a:t>函数</a:t>
-            </a:r>
-            <a:endParaRPr lang="en-US" altLang="zh-CN" dirty="0"/>
-          </a:p>
-          <a:p>
-            <a:pPr lvl="1"/>
-            <a:r>
-              <a:rPr lang="en-US" altLang="zh-CN" dirty="0"/>
-              <a:t>Gradient Descent </a:t>
-            </a:r>
-            <a:r>
-              <a:rPr lang="zh-CN" altLang="en-US" dirty="0"/>
-              <a:t>（梯度下降）</a:t>
-            </a:r>
-            <a:endParaRPr lang="en-US" altLang="zh-CN" dirty="0"/>
-          </a:p>
-          <a:p>
-            <a:pPr lvl="1"/>
-            <a:r>
-              <a:rPr lang="zh-CN" altLang="en-US" dirty="0"/>
-              <a:t>递归</a:t>
-            </a:r>
-            <a:endParaRPr lang="en-US" altLang="zh-CN" dirty="0"/>
-          </a:p>
-          <a:p>
-            <a:endParaRPr lang="zh-CN" altLang="en-US" dirty="0"/>
-          </a:p>
-        </p:txBody>
-      </p:sp>
       <p:pic>
         <p:nvPicPr>
           <p:cNvPr id="4" name="图片 3"/>
@@ -6578,140 +6591,14 @@
         </p:blipFill>
         <p:spPr>
           <a:xfrm>
-            <a:off x="5458437" y="70866"/>
-            <a:ext cx="3685563" cy="1275571"/>
+            <a:off x="2496026" y="939540"/>
+            <a:ext cx="6647974" cy="1160595"/>
           </a:xfrm>
           <a:prstGeom prst="rect">
             <a:avLst/>
           </a:prstGeom>
         </p:spPr>
       </p:pic>
-      <p:pic>
-        <p:nvPicPr>
-          <p:cNvPr id="5" name="图片 4"/>
-          <p:cNvPicPr>
-            <a:picLocks noChangeAspect="1"/>
-          </p:cNvPicPr>
-          <p:nvPr/>
-        </p:nvPicPr>
-        <p:blipFill>
-          <a:blip r:embed="rId3"/>
-          <a:stretch>
-            <a:fillRect/>
-          </a:stretch>
-        </p:blipFill>
-        <p:spPr>
-          <a:xfrm>
-            <a:off x="696784" y="2649328"/>
-            <a:ext cx="7554679" cy="982447"/>
-          </a:xfrm>
-          <a:prstGeom prst="rect">
-            <a:avLst/>
-          </a:prstGeom>
-        </p:spPr>
-      </p:pic>
-      <p:pic>
-        <p:nvPicPr>
-          <p:cNvPr id="7" name="图片 6"/>
-          <p:cNvPicPr>
-            <a:picLocks noChangeAspect="1"/>
-          </p:cNvPicPr>
-          <p:nvPr/>
-        </p:nvPicPr>
-        <p:blipFill>
-          <a:blip r:embed="rId4"/>
-          <a:stretch>
-            <a:fillRect/>
-          </a:stretch>
-        </p:blipFill>
-        <p:spPr>
-          <a:xfrm>
-            <a:off x="5603599" y="3793015"/>
-            <a:ext cx="3383467" cy="2960534"/>
-          </a:xfrm>
-          <a:prstGeom prst="rect">
-            <a:avLst/>
-          </a:prstGeom>
-        </p:spPr>
-      </p:pic>
-      <p:pic>
-        <p:nvPicPr>
-          <p:cNvPr id="8" name="图片 7"/>
-          <p:cNvPicPr>
-            <a:picLocks noChangeAspect="1"/>
-          </p:cNvPicPr>
-          <p:nvPr/>
-        </p:nvPicPr>
-        <p:blipFill>
-          <a:blip r:embed="rId5"/>
-          <a:stretch>
-            <a:fillRect/>
-          </a:stretch>
-        </p:blipFill>
-        <p:spPr>
-          <a:xfrm>
-            <a:off x="2028825" y="5273282"/>
-            <a:ext cx="2543175" cy="1047750"/>
-          </a:xfrm>
-          <a:prstGeom prst="rect">
-            <a:avLst/>
-          </a:prstGeom>
-        </p:spPr>
-      </p:pic>
-    </p:spTree>
-    <p:extLst>
-      <p:ext uri="{BB962C8B-B14F-4D97-AF65-F5344CB8AC3E}">
-        <p14:creationId xmlns:p14="http://schemas.microsoft.com/office/powerpoint/2010/main" val="1140116824"/>
-      </p:ext>
-    </p:extLst>
-  </p:cSld>
-  <p:clrMapOvr>
-    <a:masterClrMapping/>
-  </p:clrMapOvr>
-</p:sld>
-</file>
-
-<file path=ppt/slides/slide6.xml><?xml version="1.0" encoding="utf-8"?>
-<p:sld xmlns:a="http://schemas.openxmlformats.org/drawingml/2006/main" xmlns:r="http://schemas.openxmlformats.org/officeDocument/2006/relationships" xmlns:p="http://schemas.openxmlformats.org/presentationml/2006/main">
-  <p:cSld>
-    <p:spTree>
-      <p:nvGrpSpPr>
-        <p:cNvPr id="1" name=""/>
-        <p:cNvGrpSpPr/>
-        <p:nvPr/>
-      </p:nvGrpSpPr>
-      <p:grpSpPr>
-        <a:xfrm>
-          <a:off x="0" y="0"/>
-          <a:ext cx="0" cy="0"/>
-          <a:chOff x="0" y="0"/>
-          <a:chExt cx="0" cy="0"/>
-        </a:xfrm>
-      </p:grpSpPr>
-      <p:pic>
-        <p:nvPicPr>
-          <p:cNvPr id="4" name="图片 3"/>
-          <p:cNvPicPr>
-            <a:picLocks noChangeAspect="1"/>
-          </p:cNvPicPr>
-          <p:nvPr/>
-        </p:nvPicPr>
-        <p:blipFill>
-          <a:blip r:embed="rId2"/>
-          <a:stretch>
-            <a:fillRect/>
-          </a:stretch>
-        </p:blipFill>
-        <p:spPr>
-          <a:xfrm>
-            <a:off x="4062599" y="-1"/>
-            <a:ext cx="5081402" cy="887105"/>
-          </a:xfrm>
-          <a:prstGeom prst="rect">
-            <a:avLst/>
-          </a:prstGeom>
-        </p:spPr>
-      </p:pic>
       <p:sp>
         <p:nvSpPr>
           <p:cNvPr id="2" name="标题 1"/>
@@ -6722,14 +6609,19 @@
             <p:ph type="title"/>
           </p:nvPr>
         </p:nvSpPr>
-        <p:spPr/>
+        <p:spPr>
+          <a:xfrm>
+            <a:off x="380593" y="-57407"/>
+            <a:ext cx="7886700" cy="1325563"/>
+          </a:xfrm>
+        </p:spPr>
         <p:txBody>
           <a:bodyPr/>
           <a:lstStyle/>
           <a:p>
             <a:r>
               <a:rPr lang="zh-CN" altLang="en-US" dirty="0"/>
-              <a:t>惩罚函数的导数</a:t>
+              <a:t>距离函数的导数</a:t>
             </a:r>
           </a:p>
         </p:txBody>
@@ -6920,8 +6812,8 @@
         </p:nvSpPr>
         <p:spPr>
           <a:xfrm>
-            <a:off x="2496026" y="6396335"/>
-            <a:ext cx="6647974" cy="461665"/>
+            <a:off x="468536" y="6354987"/>
+            <a:ext cx="8206927" cy="461665"/>
           </a:xfrm>
           <a:prstGeom prst="rect">
             <a:avLst/>
@@ -6939,7 +6831,23 @@
                   <a:srgbClr val="FF0000"/>
                 </a:solidFill>
               </a:rPr>
-              <a:t>这个式子和感知机的旋转式子有什么相似之处？</a:t>
+              <a:t>这个式子和感知机的旋转式子有什么相似之处？和</a:t>
+            </a:r>
+            <a:r>
+              <a:rPr lang="en-US" altLang="zh-CN" sz="2400" dirty="0" err="1">
+                <a:solidFill>
+                  <a:srgbClr val="FF0000"/>
+                </a:solidFill>
+              </a:rPr>
+              <a:t>ReLU</a:t>
+            </a:r>
+            <a:r>
+              <a:rPr lang="zh-CN" altLang="en-US" sz="2400" dirty="0">
+                <a:solidFill>
+                  <a:srgbClr val="FF0000"/>
+                </a:solidFill>
+              </a:rPr>
+              <a:t>呢？</a:t>
             </a:r>
           </a:p>
         </p:txBody>
@@ -7247,6 +7155,232 @@
       <p:bldP spid="8" grpId="0" animBg="1"/>
     </p:bldLst>
   </p:timing>
+</p:sld>
+</file>
+
+<file path=ppt/slides/slide6.xml><?xml version="1.0" encoding="utf-8"?>
+<p:sld xmlns:a="http://schemas.openxmlformats.org/drawingml/2006/main" xmlns:r="http://schemas.openxmlformats.org/officeDocument/2006/relationships" xmlns:p="http://schemas.openxmlformats.org/presentationml/2006/main">
+  <p:cSld>
+    <p:spTree>
+      <p:nvGrpSpPr>
+        <p:cNvPr id="1" name=""/>
+        <p:cNvGrpSpPr/>
+        <p:nvPr/>
+      </p:nvGrpSpPr>
+      <p:grpSpPr>
+        <a:xfrm>
+          <a:off x="0" y="0"/>
+          <a:ext cx="0" cy="0"/>
+          <a:chOff x="0" y="0"/>
+          <a:chExt cx="0" cy="0"/>
+        </a:xfrm>
+      </p:grpSpPr>
+      <p:sp>
+        <p:nvSpPr>
+          <p:cNvPr id="2" name="标题 1"/>
+          <p:cNvSpPr>
+            <a:spLocks noGrp="1"/>
+          </p:cNvSpPr>
+          <p:nvPr>
+            <p:ph type="title"/>
+          </p:nvPr>
+        </p:nvSpPr>
+        <p:spPr/>
+        <p:txBody>
+          <a:bodyPr/>
+          <a:lstStyle/>
+          <a:p>
+            <a:r>
+              <a:rPr lang="zh-CN" altLang="en-US" dirty="0"/>
+              <a:t>最终的优化方程</a:t>
+            </a:r>
+          </a:p>
+        </p:txBody>
+      </p:sp>
+      <p:sp>
+        <p:nvSpPr>
+          <p:cNvPr id="3" name="内容占位符 2"/>
+          <p:cNvSpPr>
+            <a:spLocks noGrp="1"/>
+          </p:cNvSpPr>
+          <p:nvPr>
+            <p:ph idx="1"/>
+          </p:nvPr>
+        </p:nvSpPr>
+        <p:spPr/>
+        <p:txBody>
+          <a:bodyPr/>
+          <a:lstStyle/>
+          <a:p>
+            <a:pPr>
+              <a:lnSpc>
+                <a:spcPct val="150000"/>
+              </a:lnSpc>
+            </a:pPr>
+            <a:r>
+              <a:rPr lang="zh-CN" altLang="en-US" dirty="0"/>
+              <a:t>最小化</a:t>
+            </a:r>
+            <a:endParaRPr lang="en-US" altLang="zh-CN" dirty="0"/>
+          </a:p>
+          <a:p>
+            <a:pPr>
+              <a:lnSpc>
+                <a:spcPct val="150000"/>
+              </a:lnSpc>
+            </a:pPr>
+            <a:endParaRPr lang="en-US" altLang="zh-CN" dirty="0"/>
+          </a:p>
+          <a:p>
+            <a:pPr>
+              <a:lnSpc>
+                <a:spcPct val="150000"/>
+              </a:lnSpc>
+            </a:pPr>
+            <a:endParaRPr lang="en-US" altLang="zh-CN" dirty="0"/>
+          </a:p>
+          <a:p>
+            <a:r>
+              <a:rPr lang="en-US" altLang="zh-CN" dirty="0"/>
+              <a:t>Convex</a:t>
+            </a:r>
+            <a:r>
+              <a:rPr lang="zh-CN" altLang="en-US" dirty="0"/>
+              <a:t>函数</a:t>
+            </a:r>
+            <a:endParaRPr lang="en-US" altLang="zh-CN" dirty="0"/>
+          </a:p>
+          <a:p>
+            <a:pPr lvl="1"/>
+            <a:r>
+              <a:rPr lang="en-US" altLang="zh-CN" dirty="0"/>
+              <a:t>Gradient Descent </a:t>
+            </a:r>
+            <a:r>
+              <a:rPr lang="zh-CN" altLang="en-US" dirty="0"/>
+              <a:t>（梯度下降）</a:t>
+            </a:r>
+            <a:endParaRPr lang="en-US" altLang="zh-CN" dirty="0"/>
+          </a:p>
+          <a:p>
+            <a:pPr lvl="1"/>
+            <a:r>
+              <a:rPr lang="zh-CN" altLang="en-US" dirty="0"/>
+              <a:t>递归</a:t>
+            </a:r>
+            <a:endParaRPr lang="en-US" altLang="zh-CN" dirty="0"/>
+          </a:p>
+          <a:p>
+            <a:endParaRPr lang="zh-CN" altLang="en-US" dirty="0"/>
+          </a:p>
+        </p:txBody>
+      </p:sp>
+      <p:pic>
+        <p:nvPicPr>
+          <p:cNvPr id="4" name="图片 3"/>
+          <p:cNvPicPr>
+            <a:picLocks noChangeAspect="1"/>
+          </p:cNvPicPr>
+          <p:nvPr/>
+        </p:nvPicPr>
+        <p:blipFill>
+          <a:blip r:embed="rId2"/>
+          <a:stretch>
+            <a:fillRect/>
+          </a:stretch>
+        </p:blipFill>
+        <p:spPr>
+          <a:xfrm>
+            <a:off x="5458437" y="70866"/>
+            <a:ext cx="3685563" cy="1275571"/>
+          </a:xfrm>
+          <a:prstGeom prst="rect">
+            <a:avLst/>
+          </a:prstGeom>
+        </p:spPr>
+      </p:pic>
+      <p:pic>
+        <p:nvPicPr>
+          <p:cNvPr id="5" name="图片 4"/>
+          <p:cNvPicPr>
+            <a:picLocks noChangeAspect="1"/>
+          </p:cNvPicPr>
+          <p:nvPr/>
+        </p:nvPicPr>
+        <p:blipFill>
+          <a:blip r:embed="rId3"/>
+          <a:stretch>
+            <a:fillRect/>
+          </a:stretch>
+        </p:blipFill>
+        <p:spPr>
+          <a:xfrm>
+            <a:off x="696784" y="2649328"/>
+            <a:ext cx="7554679" cy="982447"/>
+          </a:xfrm>
+          <a:prstGeom prst="rect">
+            <a:avLst/>
+          </a:prstGeom>
+        </p:spPr>
+      </p:pic>
+      <p:pic>
+        <p:nvPicPr>
+          <p:cNvPr id="7" name="图片 6"/>
+          <p:cNvPicPr>
+            <a:picLocks noChangeAspect="1"/>
+          </p:cNvPicPr>
+          <p:nvPr/>
+        </p:nvPicPr>
+        <p:blipFill>
+          <a:blip r:embed="rId4"/>
+          <a:stretch>
+            <a:fillRect/>
+          </a:stretch>
+        </p:blipFill>
+        <p:spPr>
+          <a:xfrm>
+            <a:off x="5603599" y="3793015"/>
+            <a:ext cx="3383467" cy="2960534"/>
+          </a:xfrm>
+          <a:prstGeom prst="rect">
+            <a:avLst/>
+          </a:prstGeom>
+        </p:spPr>
+      </p:pic>
+      <p:pic>
+        <p:nvPicPr>
+          <p:cNvPr id="8" name="图片 7"/>
+          <p:cNvPicPr>
+            <a:picLocks noChangeAspect="1"/>
+          </p:cNvPicPr>
+          <p:nvPr/>
+        </p:nvPicPr>
+        <p:blipFill>
+          <a:blip r:embed="rId5"/>
+          <a:stretch>
+            <a:fillRect/>
+          </a:stretch>
+        </p:blipFill>
+        <p:spPr>
+          <a:xfrm>
+            <a:off x="2028825" y="5273282"/>
+            <a:ext cx="2543175" cy="1047750"/>
+          </a:xfrm>
+          <a:prstGeom prst="rect">
+            <a:avLst/>
+          </a:prstGeom>
+        </p:spPr>
+      </p:pic>
+    </p:spTree>
+    <p:extLst>
+      <p:ext uri="{BB962C8B-B14F-4D97-AF65-F5344CB8AC3E}">
+        <p14:creationId xmlns:p14="http://schemas.microsoft.com/office/powerpoint/2010/main" val="1140116824"/>
+      </p:ext>
+    </p:extLst>
+  </p:cSld>
+  <p:clrMapOvr>
+    <a:masterClrMapping/>
+  </p:clrMapOvr>
 </p:sld>
 </file>
 
